--- a/recommender_system.pptx
+++ b/recommender_system.pptx
@@ -23542,7 +23542,7 @@
                 </a:solidFill>
                 <a:latin typeface="Abadi" panose="020B0604020104020204" pitchFamily="34" charset="0"/>
               </a:rPr>
-              <a:t>GitHub: </a:t>
+              <a:t>GitHub: https://github.com/Giorgio36/Course-Recommender-System-Machine-Learning-Project</a:t>
             </a:r>
           </a:p>
           <a:p>
@@ -32143,19 +32143,7 @@
               <a:rPr lang="en-US" sz="2000" dirty="0">
                 <a:latin typeface="Abaldi"/>
               </a:rPr>
-              <a:t>The word cloud clearly reflects the topics of the most popular courses which are: </a:t>
-            </a:r>
-            <a:r>
-              <a:rPr lang="en-US" sz="2000">
-                <a:latin typeface="Abaldi"/>
-              </a:rPr>
-              <a:t>Data Science</a:t>
-            </a:r>
-            <a:r>
-              <a:rPr lang="en-US" sz="2000" dirty="0">
-                <a:latin typeface="Abaldi"/>
-              </a:rPr>
-              <a:t>, machine learning, Python, containers, databases, big data. It is strongly correlated with the list shown in the previous slide.</a:t>
+              <a:t>The word cloud clearly reflects the topics of the most popular courses which are: Data Science, machine learning, Python, containers, databases, big data. It is strongly correlated with the list shown in the previous slide.</a:t>
             </a:r>
           </a:p>
         </p:txBody>
